--- a/Интерактивна химия.pptx
+++ b/Интерактивна химия.pptx
@@ -5225,47 +5225,12 @@
       </p:grpSpPr>
       <p:pic>
         <p:nvPicPr>
-          <p:cNvPr id="4" name="Картина 3">
-            <a:extLst>
-              <a:ext uri="{FF2B5EF4-FFF2-40B4-BE49-F238E27FC236}">
-                <a16:creationId xmlns:a16="http://schemas.microsoft.com/office/drawing/2014/main" id="{B966DA08-89A8-0B89-DDAA-BD0BB340AA10}"/>
-              </a:ext>
-            </a:extLst>
-          </p:cNvPr>
-          <p:cNvPicPr>
-            <a:picLocks noChangeAspect="1"/>
-          </p:cNvPicPr>
-          <p:nvPr/>
-        </p:nvPicPr>
-        <p:blipFill rotWithShape="1">
-          <a:blip r:embed="rId3"/>
-          <a:srcRect l="10816" t="7699" r="8994" b="13151"/>
-          <a:stretch/>
-        </p:blipFill>
-        <p:spPr>
-          <a:xfrm>
-            <a:off x="6794151" y="1463226"/>
-            <a:ext cx="1527598" cy="1507800"/>
-          </a:xfrm>
-          <a:prstGeom prst="rect">
-            <a:avLst/>
-          </a:prstGeom>
-          <a:ln>
-            <a:noFill/>
-          </a:ln>
-          <a:effectLst>
-            <a:softEdge rad="112500"/>
-          </a:effectLst>
-        </p:spPr>
-      </p:pic>
-      <p:pic>
-        <p:nvPicPr>
           <p:cNvPr id="177" name="Google Shape;177;p34"/>
           <p:cNvPicPr preferRelativeResize="0"/>
           <p:nvPr/>
         </p:nvPicPr>
         <p:blipFill>
-          <a:blip r:embed="rId4">
+          <a:blip r:embed="rId3">
             <a:alphaModFix/>
           </a:blip>
           <a:stretch>
@@ -5293,7 +5258,7 @@
           <p:nvPr/>
         </p:nvPicPr>
         <p:blipFill>
-          <a:blip r:embed="rId5">
+          <a:blip r:embed="rId4">
             <a:alphaModFix/>
           </a:blip>
           <a:stretch>
@@ -5321,7 +5286,7 @@
           <p:nvPr/>
         </p:nvPicPr>
         <p:blipFill>
-          <a:blip r:embed="rId6">
+          <a:blip r:embed="rId5">
             <a:alphaModFix/>
           </a:blip>
           <a:stretch>
@@ -5399,7 +5364,7 @@
           <p:nvPr/>
         </p:nvPicPr>
         <p:blipFill>
-          <a:blip r:embed="rId7">
+          <a:blip r:embed="rId6">
             <a:alphaModFix/>
           </a:blip>
           <a:stretch>
@@ -5432,7 +5397,7 @@
         </p:nvSpPr>
         <p:spPr>
           <a:xfrm>
-            <a:off x="1063550" y="1867300"/>
+            <a:off x="1063550" y="1747821"/>
             <a:ext cx="6562500" cy="1507800"/>
           </a:xfrm>
           <a:prstGeom prst="rect">
@@ -5464,14 +5429,6 @@
             <a:r>
               <a:rPr lang="bg-BG" dirty="0"/>
               <a:t>ХИМИЯ</a:t>
-            </a:r>
-            <a:r>
-              <a:rPr lang="en-US" dirty="0"/>
-              <a:t> – </a:t>
-            </a:r>
-            <a:r>
-              <a:rPr lang="bg-BG" dirty="0"/>
-              <a:t>ПРОЕКТ №272</a:t>
             </a:r>
             <a:endParaRPr dirty="0"/>
           </a:p>
@@ -6170,7 +6127,7 @@
         </p:nvSpPr>
         <p:spPr>
           <a:xfrm>
-            <a:off x="1091999" y="940006"/>
+            <a:off x="1091999" y="1375144"/>
             <a:ext cx="2353927" cy="523220"/>
           </a:xfrm>
           <a:prstGeom prst="rect">
@@ -6191,6 +6148,75 @@
                 <a:cs typeface="Lato" panose="020F0502020204030204" pitchFamily="34" charset="0"/>
               </a:rPr>
               <a:t>НОИТ 2024</a:t>
+            </a:r>
+          </a:p>
+        </p:txBody>
+      </p:sp>
+      <p:pic>
+        <p:nvPicPr>
+          <p:cNvPr id="5" name="Картина 4">
+            <a:extLst>
+              <a:ext uri="{FF2B5EF4-FFF2-40B4-BE49-F238E27FC236}">
+                <a16:creationId xmlns:a16="http://schemas.microsoft.com/office/drawing/2014/main" id="{927FB6AF-B0E1-92D7-D6AE-D3191E8EE2F2}"/>
+              </a:ext>
+            </a:extLst>
+          </p:cNvPr>
+          <p:cNvPicPr>
+            <a:picLocks noChangeAspect="1"/>
+          </p:cNvPicPr>
+          <p:nvPr/>
+        </p:nvPicPr>
+        <p:blipFill>
+          <a:blip r:embed="rId7"/>
+          <a:stretch>
+            <a:fillRect/>
+          </a:stretch>
+        </p:blipFill>
+        <p:spPr>
+          <a:xfrm>
+            <a:off x="6984630" y="1375144"/>
+            <a:ext cx="1458872" cy="1417970"/>
+          </a:xfrm>
+          <a:prstGeom prst="rect">
+            <a:avLst/>
+          </a:prstGeom>
+        </p:spPr>
+      </p:pic>
+      <p:sp>
+        <p:nvSpPr>
+          <p:cNvPr id="6" name="Текстово поле 5">
+            <a:extLst>
+              <a:ext uri="{FF2B5EF4-FFF2-40B4-BE49-F238E27FC236}">
+                <a16:creationId xmlns:a16="http://schemas.microsoft.com/office/drawing/2014/main" id="{9ED880BA-9E11-36AB-E61A-B2A0AC8D2FDF}"/>
+              </a:ext>
+            </a:extLst>
+          </p:cNvPr>
+          <p:cNvSpPr txBox="1"/>
+          <p:nvPr/>
+        </p:nvSpPr>
+        <p:spPr>
+          <a:xfrm>
+            <a:off x="1058273" y="3104593"/>
+            <a:ext cx="2771913" cy="523220"/>
+          </a:xfrm>
+          <a:prstGeom prst="rect">
+            <a:avLst/>
+          </a:prstGeom>
+          <a:noFill/>
+        </p:spPr>
+        <p:txBody>
+          <a:bodyPr wrap="none" rtlCol="0">
+            <a:spAutoFit/>
+          </a:bodyPr>
+          <a:lstStyle/>
+          <a:p>
+            <a:r>
+              <a:rPr lang="bg-BG" sz="2800" b="1" dirty="0">
+                <a:latin typeface="Lato" panose="020F0502020204030203" pitchFamily="34" charset="0"/>
+                <a:ea typeface="Lato" panose="020F0502020204030203" pitchFamily="34" charset="0"/>
+                <a:cs typeface="Lato" panose="020F0502020204030203" pitchFamily="34" charset="0"/>
+              </a:rPr>
+              <a:t>ПРОЕКТ №272</a:t>
             </a:r>
           </a:p>
         </p:txBody>
@@ -6297,7 +6323,7 @@
             </a:pPr>
             <a:r>
               <a:rPr lang="bg-BG" dirty="0"/>
-              <a:t>Проектът “Интерактивна химия” представлява уеб приложение, имащо за цел да помогне на учениците с усвояването на учебния материал по химия и опазване на околната среда. Той прави усвояването лесно и интересно. Проектът визуализира периодичната таблица и всички химични елементи. </a:t>
+              <a:t>Проектът “Интерактивна химия” представлява уеб приложение, имащо за цел да помогне на учениците с усвояването на учебния материал по химия и опазване на околната среда. Той прави усвояването лесно и интересно. Проектът визуализира периодичната таблица и  информация за всички изучени химични елементи. </a:t>
             </a:r>
             <a:endParaRPr dirty="0"/>
           </a:p>
@@ -6959,7 +6985,7 @@
             </a:pPr>
             <a:r>
               <a:rPr lang="bg-BG" dirty="0"/>
-              <a:t>РЕСУРСИ</a:t>
+              <a:t>ИЗПОЛЗВАНА ЛИТЕРАТУРА</a:t>
             </a:r>
             <a:endParaRPr dirty="0"/>
           </a:p>
@@ -7005,7 +7031,22 @@
             </a:r>
             <a:r>
               <a:rPr lang="bg-BG" dirty="0"/>
-              <a:t> Статии за различните химични елементи в Уикипедия</a:t>
+              <a:t> </a:t>
+            </a:r>
+            <a:endParaRPr lang="en-US" dirty="0"/>
+          </a:p>
+          <a:p>
+            <a:pPr marL="0" indent="0">
+              <a:buSzPts val="1100"/>
+              <a:buNone/>
+            </a:pPr>
+            <a:r>
+              <a:rPr lang="en-US" dirty="0"/>
+              <a:t>   </a:t>
+            </a:r>
+            <a:r>
+              <a:rPr lang="bg-BG" dirty="0"/>
+              <a:t>Статии за различните химични елементи в Уикипедия</a:t>
             </a:r>
           </a:p>
           <a:p>
@@ -7025,6 +7066,16 @@
             <a:r>
               <a:rPr lang="en-US" dirty="0"/>
               <a:t> </a:t>
+            </a:r>
+          </a:p>
+          <a:p>
+            <a:pPr marL="0" indent="0">
+              <a:buSzPts val="1100"/>
+              <a:buNone/>
+            </a:pPr>
+            <a:r>
+              <a:rPr lang="en-US" dirty="0"/>
+              <a:t>   </a:t>
             </a:r>
             <a:r>
               <a:rPr lang="ru-RU" dirty="0"/>

--- a/Интерактивна химия.pptx
+++ b/Интерактивна химия.pptx
@@ -7284,7 +7284,7 @@
         </p:nvSpPr>
         <p:spPr>
           <a:xfrm>
-            <a:off x="1871624" y="559859"/>
+            <a:off x="1977950" y="173092"/>
             <a:ext cx="6562500" cy="1507800"/>
           </a:xfrm>
           <a:prstGeom prst="rect">
@@ -7332,7 +7332,7 @@
         </p:nvSpPr>
         <p:spPr>
           <a:xfrm>
-            <a:off x="925677" y="3469900"/>
+            <a:off x="1803288" y="2021133"/>
             <a:ext cx="6562500" cy="475800"/>
           </a:xfrm>
         </p:spPr>
@@ -7394,7 +7394,7 @@
         </p:blipFill>
         <p:spPr>
           <a:xfrm>
-            <a:off x="7092475" y="1197800"/>
+            <a:off x="7659545" y="3319818"/>
             <a:ext cx="1266225" cy="1266225"/>
           </a:xfrm>
           <a:prstGeom prst="rect">

--- a/Интерактивна химия.pptx
+++ b/Интерактивна химия.pptx
@@ -6299,7 +6299,7 @@
         </p:nvSpPr>
         <p:spPr>
           <a:xfrm>
-            <a:off x="720000" y="1215750"/>
+            <a:off x="720000" y="1017725"/>
             <a:ext cx="7424540" cy="3416400"/>
           </a:xfrm>
           <a:prstGeom prst="rect">
@@ -6322,10 +6322,10 @@
               <a:buNone/>
             </a:pPr>
             <a:r>
-              <a:rPr lang="bg-BG" dirty="0"/>
+              <a:rPr lang="bg-BG" sz="1600" dirty="0"/>
               <a:t>Проектът “Интерактивна химия” представлява уеб приложение, имащо за цел да помогне на учениците с усвояването на учебния материал по химия и опазване на околната среда. Той прави усвояването лесно и интересно. Проектът визуализира периодичната таблица и  информация за всички изучени химични елементи. </a:t>
             </a:r>
-            <a:endParaRPr dirty="0"/>
+            <a:endParaRPr sz="1600" dirty="0"/>
           </a:p>
         </p:txBody>
       </p:sp>
@@ -6379,8 +6379,8 @@
         </p:blipFill>
         <p:spPr>
           <a:xfrm>
-            <a:off x="3338623" y="2445251"/>
-            <a:ext cx="5238307" cy="2499109"/>
+            <a:off x="3515833" y="2529795"/>
+            <a:ext cx="5061097" cy="2414565"/>
           </a:xfrm>
           <a:prstGeom prst="rect">
             <a:avLst/>
@@ -6499,7 +6499,7 @@
         </p:nvSpPr>
         <p:spPr>
           <a:xfrm>
-            <a:off x="720000" y="1414309"/>
+            <a:off x="720000" y="1098188"/>
             <a:ext cx="6481786" cy="1890000"/>
           </a:xfrm>
           <a:prstGeom prst="rect">
@@ -6522,40 +6522,80 @@
               <a:buNone/>
             </a:pPr>
             <a:r>
-              <a:rPr lang="ru-RU" dirty="0"/>
+              <a:rPr lang="ru-RU" sz="1600" dirty="0"/>
               <a:t>Проекта е предназначен за </a:t>
             </a:r>
             <a:r>
-              <a:rPr lang="ru-RU" dirty="0" err="1"/>
+              <a:rPr lang="ru-RU" sz="1600" dirty="0" err="1"/>
               <a:t>учениците</a:t>
             </a:r>
             <a:r>
-              <a:rPr lang="ru-RU" dirty="0"/>
+              <a:rPr lang="ru-RU" sz="1600" dirty="0"/>
               <a:t> от 7-ми до 10-ти клас, </a:t>
             </a:r>
             <a:r>
-              <a:rPr lang="ru-RU" dirty="0" err="1"/>
+              <a:rPr lang="ru-RU" sz="1600" dirty="0" err="1"/>
               <a:t>изучаващи</a:t>
             </a:r>
             <a:r>
-              <a:rPr lang="ru-RU" dirty="0"/>
+              <a:rPr lang="ru-RU" sz="1600" dirty="0"/>
               <a:t> химия и </a:t>
             </a:r>
             <a:r>
-              <a:rPr lang="ru-RU" dirty="0" err="1"/>
+              <a:rPr lang="ru-RU" sz="1600" dirty="0" err="1"/>
               <a:t>опазване</a:t>
             </a:r>
             <a:r>
-              <a:rPr lang="ru-RU" dirty="0"/>
+              <a:rPr lang="ru-RU" sz="1600" dirty="0"/>
               <a:t> на </a:t>
             </a:r>
             <a:r>
-              <a:rPr lang="ru-RU" dirty="0" err="1"/>
+              <a:rPr lang="ru-RU" sz="1600" dirty="0" err="1"/>
               <a:t>околната</a:t>
             </a:r>
             <a:r>
-              <a:rPr lang="ru-RU" dirty="0"/>
-              <a:t> среда. </a:t>
+              <a:rPr lang="ru-RU" sz="1600" dirty="0"/>
+              <a:t> среда</a:t>
+            </a:r>
+            <a:r>
+              <a:rPr lang="en-US" sz="1600" dirty="0"/>
+              <a:t>, </a:t>
+            </a:r>
+            <a:r>
+              <a:rPr lang="bg-BG" sz="1600" dirty="0"/>
+              <a:t>както и за потребители търсещи полезна </a:t>
+            </a:r>
+            <a:r>
+              <a:rPr lang="bg-BG" sz="1600" dirty="0" err="1"/>
+              <a:t>иноформация</a:t>
+            </a:r>
+            <a:r>
+              <a:rPr lang="ru-RU" sz="1600" dirty="0"/>
+              <a:t> за </a:t>
+            </a:r>
+            <a:r>
+              <a:rPr lang="ru-RU" sz="1600" dirty="0" err="1"/>
+              <a:t>различни</a:t>
+            </a:r>
+            <a:r>
+              <a:rPr lang="ru-RU" sz="1600" dirty="0"/>
+              <a:t> </a:t>
+            </a:r>
+            <a:r>
+              <a:rPr lang="ru-RU" sz="1600" dirty="0" err="1"/>
+              <a:t>химични</a:t>
+            </a:r>
+            <a:r>
+              <a:rPr lang="ru-RU" sz="1600" dirty="0"/>
+              <a:t> </a:t>
+            </a:r>
+            <a:r>
+              <a:rPr lang="ru-RU" sz="1600" dirty="0" err="1"/>
+              <a:t>елемети</a:t>
+            </a:r>
+            <a:r>
+              <a:rPr lang="ru-RU" sz="1600" dirty="0"/>
+              <a:t> или реакции.</a:t>
             </a:r>
           </a:p>
         </p:txBody>
@@ -6718,6 +6758,39 @@
           </a:bodyPr>
           <a:lstStyle/>
           <a:p>
+            <a:pPr lvl="0">
+              <a:spcBef>
+                <a:spcPts val="800"/>
+              </a:spcBef>
+            </a:pPr>
+            <a:r>
+              <a:rPr lang="en-US" sz="1600" b="1" dirty="0"/>
+              <a:t>JavaScript</a:t>
+            </a:r>
+          </a:p>
+          <a:p>
+            <a:pPr lvl="0">
+              <a:spcBef>
+                <a:spcPts val="800"/>
+              </a:spcBef>
+            </a:pPr>
+            <a:r>
+              <a:rPr lang="en-US" sz="1600" b="1" dirty="0"/>
+              <a:t>HTML/CSS</a:t>
+            </a:r>
+          </a:p>
+          <a:p>
+            <a:pPr>
+              <a:spcBef>
+                <a:spcPts val="800"/>
+              </a:spcBef>
+            </a:pPr>
+            <a:r>
+              <a:rPr lang="en-US" sz="1600" b="1" dirty="0"/>
+              <a:t>Firebase</a:t>
+            </a:r>
+          </a:p>
+          <a:p>
             <a:pPr marL="457200" lvl="0" indent="-317500" algn="l" rtl="0">
               <a:spcBef>
                 <a:spcPts val="800"/>
@@ -6729,7 +6802,7 @@
               <a:buChar char="●"/>
             </a:pPr>
             <a:r>
-              <a:rPr lang="en" b="1" dirty="0">
+              <a:rPr lang="en" sz="1600" b="1" dirty="0">
                 <a:solidFill>
                   <a:schemeClr val="hlink"/>
                 </a:solidFill>
@@ -6749,88 +6822,12 @@
               <a:buChar char="●"/>
             </a:pPr>
             <a:r>
-              <a:rPr lang="en-US" b="1" dirty="0"/>
+              <a:rPr lang="en-US" sz="1600" b="1" dirty="0"/>
               <a:t>Microsoft Office</a:t>
             </a:r>
           </a:p>
-          <a:p>
-            <a:pPr marL="457200" lvl="0" indent="-317500" algn="l" rtl="0">
-              <a:spcBef>
-                <a:spcPts val="800"/>
-              </a:spcBef>
-              <a:spcAft>
-                <a:spcPts val="0"/>
-              </a:spcAft>
-              <a:buSzPts val="1400"/>
-              <a:buChar char="●"/>
-            </a:pPr>
-            <a:r>
-              <a:rPr lang="en-US" b="1" dirty="0"/>
-              <a:t>Firebase</a:t>
-            </a:r>
-          </a:p>
-          <a:p>
-            <a:pPr marL="457200" lvl="0" indent="-317500" algn="l" rtl="0">
-              <a:spcBef>
-                <a:spcPts val="800"/>
-              </a:spcBef>
-              <a:spcAft>
-                <a:spcPts val="0"/>
-              </a:spcAft>
-              <a:buSzPts val="1400"/>
-              <a:buChar char="●"/>
-            </a:pPr>
-            <a:r>
-              <a:rPr lang="en-US" b="1" dirty="0"/>
-              <a:t>JavaScript</a:t>
-            </a:r>
-          </a:p>
-          <a:p>
-            <a:pPr marL="457200" lvl="0" indent="-317500" algn="l" rtl="0">
-              <a:spcBef>
-                <a:spcPts val="800"/>
-              </a:spcBef>
-              <a:spcAft>
-                <a:spcPts val="0"/>
-              </a:spcAft>
-              <a:buSzPts val="1400"/>
-              <a:buChar char="●"/>
-            </a:pPr>
-            <a:r>
-              <a:rPr lang="en-US" b="1" dirty="0"/>
-              <a:t>HTML/CSS</a:t>
-            </a:r>
-            <a:endParaRPr b="1" dirty="0"/>
-          </a:p>
         </p:txBody>
       </p:sp>
-      <p:pic>
-        <p:nvPicPr>
-          <p:cNvPr id="1448" name="Google Shape;1448;p70"/>
-          <p:cNvPicPr preferRelativeResize="0"/>
-          <p:nvPr/>
-        </p:nvPicPr>
-        <p:blipFill rotWithShape="1">
-          <a:blip r:embed="rId3">
-            <a:alphaModFix/>
-          </a:blip>
-          <a:srcRect l="17519" t="17519" r="17519" b="17519"/>
-          <a:stretch/>
-        </p:blipFill>
-        <p:spPr>
-          <a:xfrm>
-            <a:off x="6380049" y="3473826"/>
-            <a:ext cx="1734375" cy="1734375"/>
-          </a:xfrm>
-          <a:prstGeom prst="rect">
-            <a:avLst/>
-          </a:prstGeom>
-          <a:noFill/>
-          <a:ln>
-            <a:noFill/>
-          </a:ln>
-        </p:spPr>
-      </p:pic>
       <p:pic>
         <p:nvPicPr>
           <p:cNvPr id="5" name="Картина 4">
@@ -6846,14 +6843,14 @@
           <p:nvPr/>
         </p:nvPicPr>
         <p:blipFill>
-          <a:blip r:embed="rId4"/>
+          <a:blip r:embed="rId3"/>
           <a:stretch>
             <a:fillRect/>
           </a:stretch>
         </p:blipFill>
         <p:spPr>
           <a:xfrm>
-            <a:off x="4090672" y="1189574"/>
+            <a:off x="4168644" y="1130115"/>
             <a:ext cx="4578753" cy="1734376"/>
           </a:xfrm>
           <a:prstGeom prst="rect">
@@ -6876,14 +6873,14 @@
           <p:nvPr/>
         </p:nvPicPr>
         <p:blipFill>
-          <a:blip r:embed="rId5"/>
+          <a:blip r:embed="rId4"/>
           <a:stretch>
             <a:fillRect/>
           </a:stretch>
         </p:blipFill>
         <p:spPr>
           <a:xfrm>
-            <a:off x="2392135" y="3036206"/>
+            <a:off x="3406625" y="2976881"/>
             <a:ext cx="1853294" cy="1853294"/>
           </a:xfrm>
           <a:prstGeom prst="rect">
@@ -6906,14 +6903,14 @@
           <p:nvPr/>
         </p:nvPicPr>
         <p:blipFill>
-          <a:blip r:embed="rId6"/>
+          <a:blip r:embed="rId5"/>
           <a:stretch>
             <a:fillRect/>
           </a:stretch>
         </p:blipFill>
         <p:spPr>
           <a:xfrm>
-            <a:off x="4898573" y="2451100"/>
+            <a:off x="5985600" y="2571750"/>
             <a:ext cx="2438400" cy="2438400"/>
           </a:xfrm>
           <a:prstGeom prst="rect">
@@ -7024,16 +7021,16 @@
               <a:t> </a:t>
             </a:r>
             <a:r>
-              <a:rPr lang="en-US" dirty="0">
+              <a:rPr lang="en-US" sz="1600" dirty="0">
                 <a:hlinkClick r:id="rId3"/>
               </a:rPr>
               <a:t>https://bg.wikipedia.org/</a:t>
             </a:r>
             <a:r>
-              <a:rPr lang="bg-BG" dirty="0"/>
+              <a:rPr lang="bg-BG" sz="1600" dirty="0"/>
               <a:t> </a:t>
             </a:r>
-            <a:endParaRPr lang="en-US" dirty="0"/>
+            <a:endParaRPr lang="en-US" sz="1600" dirty="0"/>
           </a:p>
           <a:p>
             <a:pPr marL="0" indent="0">
@@ -7041,11 +7038,11 @@
               <a:buNone/>
             </a:pPr>
             <a:r>
-              <a:rPr lang="en-US" dirty="0"/>
+              <a:rPr lang="en-US" sz="1600" dirty="0"/>
               <a:t>   </a:t>
             </a:r>
             <a:r>
-              <a:rPr lang="bg-BG" dirty="0"/>
+              <a:rPr lang="bg-BG" sz="1600" dirty="0"/>
               <a:t>Статии за различните химични елементи в Уикипедия</a:t>
             </a:r>
           </a:p>
@@ -7054,17 +7051,17 @@
               <a:buSzPts val="1100"/>
             </a:pPr>
             <a:r>
-              <a:rPr lang="en-US" dirty="0"/>
+              <a:rPr lang="en-US" sz="1600" dirty="0"/>
               <a:t> </a:t>
             </a:r>
             <a:r>
-              <a:rPr lang="en-US" dirty="0">
+              <a:rPr lang="en-US" sz="1600" dirty="0">
                 <a:hlinkClick r:id="rId4"/>
               </a:rPr>
               <a:t>https://www.rsc.org/</a:t>
             </a:r>
             <a:r>
-              <a:rPr lang="en-US" dirty="0"/>
+              <a:rPr lang="en-US" sz="1600" dirty="0"/>
               <a:t> </a:t>
             </a:r>
           </a:p>
@@ -7074,30 +7071,30 @@
               <a:buNone/>
             </a:pPr>
             <a:r>
-              <a:rPr lang="en-US" dirty="0"/>
+              <a:rPr lang="en-US" sz="1600" dirty="0"/>
               <a:t>   </a:t>
             </a:r>
             <a:r>
-              <a:rPr lang="ru-RU" dirty="0"/>
+              <a:rPr lang="ru-RU" sz="1600" dirty="0"/>
               <a:t>Официален </a:t>
             </a:r>
             <a:r>
-              <a:rPr lang="ru-RU" dirty="0" err="1"/>
+              <a:rPr lang="ru-RU" sz="1600" dirty="0" err="1"/>
               <a:t>уебсайт</a:t>
             </a:r>
             <a:r>
-              <a:rPr lang="ru-RU" dirty="0"/>
+              <a:rPr lang="ru-RU" sz="1600" dirty="0"/>
               <a:t> на </a:t>
             </a:r>
             <a:r>
-              <a:rPr lang="ru-RU" dirty="0" err="1"/>
+              <a:rPr lang="ru-RU" sz="1600" dirty="0" err="1"/>
               <a:t>Кралското</a:t>
             </a:r>
             <a:r>
-              <a:rPr lang="ru-RU" dirty="0"/>
+              <a:rPr lang="ru-RU" sz="1600" dirty="0"/>
               <a:t> общество по химия </a:t>
             </a:r>
-            <a:endParaRPr dirty="0"/>
+            <a:endParaRPr sz="1600" dirty="0"/>
           </a:p>
         </p:txBody>
       </p:sp>
@@ -7207,7 +7204,7 @@
         </p:blipFill>
         <p:spPr>
           <a:xfrm>
-            <a:off x="650913" y="2692105"/>
+            <a:off x="563035" y="3273351"/>
             <a:ext cx="2324100" cy="2238375"/>
           </a:xfrm>
           <a:prstGeom prst="rect">

--- a/Интерактивна химия.pptx
+++ b/Интерактивна химия.pptx
@@ -6174,7 +6174,7 @@
         </p:blipFill>
         <p:spPr>
           <a:xfrm>
-            <a:off x="6984630" y="1375144"/>
+            <a:off x="6806053" y="1837651"/>
             <a:ext cx="1458872" cy="1417970"/>
           </a:xfrm>
           <a:prstGeom prst="rect">
@@ -6312,7 +6312,7 @@
           </a:bodyPr>
           <a:lstStyle/>
           <a:p>
-            <a:pPr marL="0" lvl="0" indent="0" algn="l" rtl="0">
+            <a:pPr marL="0" lvl="0" indent="0" algn="just" rtl="0">
               <a:spcBef>
                 <a:spcPts val="0"/>
               </a:spcBef>
@@ -6395,6 +6395,9 @@
   <p:clrMapOvr>
     <a:masterClrMapping/>
   </p:clrMapOvr>
+  <p:transition spd="slow">
+    <p:cover/>
+  </p:transition>
 </p:sld>
 </file>
 
@@ -6415,34 +6418,6 @@
           <a:chExt cx="0" cy="0"/>
         </a:xfrm>
       </p:grpSpPr>
-      <p:pic>
-        <p:nvPicPr>
-          <p:cNvPr id="265" name="Google Shape;265;p39"/>
-          <p:cNvPicPr preferRelativeResize="0"/>
-          <p:nvPr/>
-        </p:nvPicPr>
-        <p:blipFill>
-          <a:blip r:embed="rId3">
-            <a:alphaModFix/>
-          </a:blip>
-          <a:stretch>
-            <a:fillRect/>
-          </a:stretch>
-        </p:blipFill>
-        <p:spPr>
-          <a:xfrm>
-            <a:off x="7019925" y="749813"/>
-            <a:ext cx="2324100" cy="2238375"/>
-          </a:xfrm>
-          <a:prstGeom prst="rect">
-            <a:avLst/>
-          </a:prstGeom>
-          <a:noFill/>
-          <a:ln>
-            <a:noFill/>
-          </a:ln>
-        </p:spPr>
-      </p:pic>
       <p:sp>
         <p:nvSpPr>
           <p:cNvPr id="262" name="Google Shape;262;p39"/>
@@ -6499,7 +6474,7 @@
         </p:nvSpPr>
         <p:spPr>
           <a:xfrm>
-            <a:off x="720000" y="1098188"/>
+            <a:off x="720000" y="1076923"/>
             <a:ext cx="6481786" cy="1890000"/>
           </a:xfrm>
           <a:prstGeom prst="rect">
@@ -6512,7 +6487,7 @@
           </a:bodyPr>
           <a:lstStyle/>
           <a:p>
-            <a:pPr marL="0" lvl="0" indent="0" algn="l" rtl="0">
+            <a:pPr marL="0" lvl="0" indent="0" algn="just" rtl="0">
               <a:spcBef>
                 <a:spcPts val="0"/>
               </a:spcBef>
@@ -6600,44 +6575,6 @@
           </a:p>
         </p:txBody>
       </p:sp>
-      <p:sp>
-        <p:nvSpPr>
-          <p:cNvPr id="264" name="Google Shape;264;p39"/>
-          <p:cNvSpPr txBox="1">
-            <a:spLocks noGrp="1"/>
-          </p:cNvSpPr>
-          <p:nvPr>
-            <p:ph type="subTitle" idx="2"/>
-          </p:nvPr>
-        </p:nvSpPr>
-        <p:spPr>
-          <a:xfrm>
-            <a:off x="4444835" y="2419450"/>
-            <a:ext cx="3254100" cy="1890000"/>
-          </a:xfrm>
-          <a:prstGeom prst="rect">
-            <a:avLst/>
-          </a:prstGeom>
-        </p:spPr>
-        <p:txBody>
-          <a:bodyPr spcFirstLastPara="1" wrap="square" lIns="91425" tIns="91425" rIns="91425" bIns="91425" anchor="t" anchorCtr="0">
-            <a:noAutofit/>
-          </a:bodyPr>
-          <a:lstStyle/>
-          <a:p>
-            <a:pPr marL="0" lvl="0" indent="0" algn="l" rtl="0">
-              <a:spcBef>
-                <a:spcPts val="0"/>
-              </a:spcBef>
-              <a:spcAft>
-                <a:spcPts val="0"/>
-              </a:spcAft>
-              <a:buNone/>
-            </a:pPr>
-            <a:endParaRPr dirty="0"/>
-          </a:p>
-        </p:txBody>
-      </p:sp>
       <p:pic>
         <p:nvPicPr>
           <p:cNvPr id="7" name="Google Shape;248;p38"/>
@@ -6645,7 +6582,7 @@
           <p:nvPr/>
         </p:nvPicPr>
         <p:blipFill>
-          <a:blip r:embed="rId4">
+          <a:blip r:embed="rId3">
             <a:alphaModFix/>
           </a:blip>
           <a:stretch>
@@ -6666,11 +6603,42 @@
           </a:ln>
         </p:spPr>
       </p:pic>
+      <p:pic>
+        <p:nvPicPr>
+          <p:cNvPr id="265" name="Google Shape;265;p39"/>
+          <p:cNvPicPr preferRelativeResize="0"/>
+          <p:nvPr/>
+        </p:nvPicPr>
+        <p:blipFill>
+          <a:blip r:embed="rId4">
+            <a:alphaModFix/>
+          </a:blip>
+          <a:stretch>
+            <a:fillRect/>
+          </a:stretch>
+        </p:blipFill>
+        <p:spPr>
+          <a:xfrm>
+            <a:off x="5885785" y="2262287"/>
+            <a:ext cx="2324100" cy="2238375"/>
+          </a:xfrm>
+          <a:prstGeom prst="rect">
+            <a:avLst/>
+          </a:prstGeom>
+          <a:noFill/>
+          <a:ln>
+            <a:noFill/>
+          </a:ln>
+        </p:spPr>
+      </p:pic>
     </p:spTree>
   </p:cSld>
   <p:clrMapOvr>
     <a:masterClrMapping/>
   </p:clrMapOvr>
+  <p:transition spd="slow">
+    <p:cover/>
+  </p:transition>
 </p:sld>
 </file>
 
@@ -6923,6 +6891,9 @@
   <p:clrMapOvr>
     <a:masterClrMapping/>
   </p:clrMapOvr>
+  <p:transition spd="slow">
+    <p:cover/>
+  </p:transition>
 </p:sld>
 </file>
 
@@ -7033,7 +7004,7 @@
             <a:endParaRPr lang="en-US" sz="1600" dirty="0"/>
           </a:p>
           <a:p>
-            <a:pPr marL="0" indent="0">
+            <a:pPr marL="0" indent="0" algn="just">
               <a:buSzPts val="1100"/>
               <a:buNone/>
             </a:pPr>
@@ -7066,7 +7037,7 @@
             </a:r>
           </a:p>
           <a:p>
-            <a:pPr marL="0" indent="0">
+            <a:pPr marL="0" indent="0" algn="just">
               <a:buSzPts val="1100"/>
               <a:buNone/>
             </a:pPr>
@@ -7221,6 +7192,9 @@
   <p:clrMapOvr>
     <a:masterClrMapping/>
   </p:clrMapOvr>
+  <p:transition spd="slow">
+    <p:cover/>
+  </p:transition>
 </p:sld>
 </file>
 
@@ -7408,6 +7382,9 @@
   <p:clrMapOvr>
     <a:masterClrMapping/>
   </p:clrMapOvr>
+  <p:transition spd="slow">
+    <p:cover/>
+  </p:transition>
 </p:sld>
 </file>
 
